--- a/Präsentationen/Schlusspräsentation.pptx
+++ b/Präsentationen/Schlusspräsentation.pptx
@@ -8,7 +8,7 @@
     <p:notesMasterId r:id="rId4"/>
   </p:notesMasterIdLst>
   <p:sldIdLst>
-    <p:sldId id="256" r:id="rId2"/>
+    <p:sldId id="258" r:id="rId2"/>
     <p:sldId id="257" r:id="rId3"/>
   </p:sldIdLst>
   <p:sldSz cx="12192000" cy="6858000"/>
@@ -108,6 +108,11 @@
       </a:defRPr>
     </a:lvl9pPr>
   </p:defaultTextStyle>
+  <p:extLst>
+    <p:ext uri="{EFAFB233-063F-42B5-8137-9DF3F51BA10A}">
+      <p15:sldGuideLst xmlns:p15="http://schemas.microsoft.com/office/powerpoint/2012/main"/>
+    </p:ext>
+  </p:extLst>
 </p:presentation>
 </file>
 
@@ -193,7 +198,7 @@
           <a:p>
             <a:fld id="{AAE4C77D-C166-4002-9DC0-8C50E2C130FF}" type="datetimeFigureOut">
               <a:rPr lang="de-CH" smtClean="0"/>
-              <a:t>07.05.2019</a:t>
+              <a:t>06.06.2019</a:t>
             </a:fld>
             <a:endParaRPr lang="de-CH"/>
           </a:p>
@@ -627,7 +632,7 @@
           <a:p>
             <a:r>
               <a:rPr lang="de-CH" dirty="0"/>
-              <a:t>07.05.2019</a:t>
+              <a:t>06.06.2019</a:t>
             </a:r>
           </a:p>
         </p:txBody>
@@ -809,7 +814,7 @@
           <a:p>
             <a:fld id="{0121FB95-43A0-42CD-AF21-3D39A447B435}" type="datetimeFigureOut">
               <a:rPr lang="de-CH" smtClean="0"/>
-              <a:t>07.05.2019</a:t>
+              <a:t>06.06.2019</a:t>
             </a:fld>
             <a:endParaRPr lang="de-CH"/>
           </a:p>
@@ -1019,7 +1024,7 @@
           <a:p>
             <a:fld id="{0121FB95-43A0-42CD-AF21-3D39A447B435}" type="datetimeFigureOut">
               <a:rPr lang="de-CH" smtClean="0"/>
-              <a:t>07.05.2019</a:t>
+              <a:t>06.06.2019</a:t>
             </a:fld>
             <a:endParaRPr lang="de-CH"/>
           </a:p>
@@ -1263,7 +1268,7 @@
           <a:p>
             <a:fld id="{A27673ED-63A6-4405-AA4E-AE8BFC90B006}" type="datetime1">
               <a:rPr lang="de-CH" smtClean="0"/>
-              <a:t>07.05.2019</a:t>
+              <a:t>06.06.2019</a:t>
             </a:fld>
             <a:endParaRPr lang="de-CH" dirty="0"/>
           </a:p>
@@ -2004,7 +2009,7 @@
           <a:p>
             <a:fld id="{0121FB95-43A0-42CD-AF21-3D39A447B435}" type="datetimeFigureOut">
               <a:rPr lang="de-CH" smtClean="0"/>
-              <a:t>07.05.2019</a:t>
+              <a:t>06.06.2019</a:t>
             </a:fld>
             <a:endParaRPr lang="de-CH"/>
           </a:p>
@@ -2419,7 +2424,7 @@
           <a:p>
             <a:fld id="{0121FB95-43A0-42CD-AF21-3D39A447B435}" type="datetimeFigureOut">
               <a:rPr lang="de-CH" smtClean="0"/>
-              <a:t>07.05.2019</a:t>
+              <a:t>06.06.2019</a:t>
             </a:fld>
             <a:endParaRPr lang="de-CH"/>
           </a:p>
@@ -2561,7 +2566,7 @@
           <a:p>
             <a:fld id="{0121FB95-43A0-42CD-AF21-3D39A447B435}" type="datetimeFigureOut">
               <a:rPr lang="de-CH" smtClean="0"/>
-              <a:t>07.05.2019</a:t>
+              <a:t>06.06.2019</a:t>
             </a:fld>
             <a:endParaRPr lang="de-CH"/>
           </a:p>
@@ -2674,7 +2679,7 @@
           <a:p>
             <a:fld id="{0121FB95-43A0-42CD-AF21-3D39A447B435}" type="datetimeFigureOut">
               <a:rPr lang="de-CH" smtClean="0"/>
-              <a:t>07.05.2019</a:t>
+              <a:t>06.06.2019</a:t>
             </a:fld>
             <a:endParaRPr lang="de-CH"/>
           </a:p>
@@ -2987,7 +2992,7 @@
           <a:p>
             <a:fld id="{0121FB95-43A0-42CD-AF21-3D39A447B435}" type="datetimeFigureOut">
               <a:rPr lang="de-CH" smtClean="0"/>
-              <a:t>07.05.2019</a:t>
+              <a:t>06.06.2019</a:t>
             </a:fld>
             <a:endParaRPr lang="de-CH"/>
           </a:p>
@@ -3276,7 +3281,7 @@
           <a:p>
             <a:fld id="{0121FB95-43A0-42CD-AF21-3D39A447B435}" type="datetimeFigureOut">
               <a:rPr lang="de-CH" smtClean="0"/>
-              <a:t>07.05.2019</a:t>
+              <a:t>06.06.2019</a:t>
             </a:fld>
             <a:endParaRPr lang="de-CH"/>
           </a:p>
@@ -3519,7 +3524,7 @@
           <a:p>
             <a:fld id="{0121FB95-43A0-42CD-AF21-3D39A447B435}" type="datetimeFigureOut">
               <a:rPr lang="de-CH" smtClean="0"/>
-              <a:t>07.05.2019</a:t>
+              <a:t>06.06.2019</a:t>
             </a:fld>
             <a:endParaRPr lang="de-CH"/>
           </a:p>
@@ -3941,7 +3946,7 @@
           <p:cNvPr id="2" name="Titel 1">
             <a:extLst>
               <a:ext uri="{FF2B5EF4-FFF2-40B4-BE49-F238E27FC236}">
-                <a16:creationId xmlns:a16="http://schemas.microsoft.com/office/drawing/2014/main" id="{8E704837-9782-4826-A814-AC60F4B6C03D}"/>
+                <a16:creationId xmlns:a16="http://schemas.microsoft.com/office/drawing/2014/main" id="{1D2F1A48-6529-4D4A-AE45-50028DA71EF9}"/>
               </a:ext>
             </a:extLst>
           </p:cNvPr>
@@ -3950,47 +3955,6 @@
           </p:cNvSpPr>
           <p:nvPr>
             <p:ph type="ctrTitle"/>
-          </p:nvPr>
-        </p:nvSpPr>
-        <p:spPr/>
-        <p:txBody>
-          <a:bodyPr>
-            <a:normAutofit fontScale="90000"/>
-          </a:bodyPr>
-          <a:lstStyle/>
-          <a:p>
-            <a:r>
-              <a:rPr lang="de-CH" b="1" dirty="0"/>
-              <a:t> </a:t>
-            </a:r>
-            <a:br>
-              <a:rPr lang="de-CH" dirty="0"/>
-            </a:br>
-            <a:r>
-              <a:rPr lang="de-CH" b="1" dirty="0"/>
-              <a:t> «DJ» EMI Filter für Netzteil</a:t>
-            </a:r>
-            <a:br>
-              <a:rPr lang="de-CH" dirty="0"/>
-            </a:br>
-            <a:endParaRPr lang="de-CH" dirty="0"/>
-          </a:p>
-        </p:txBody>
-      </p:sp>
-      <p:sp>
-        <p:nvSpPr>
-          <p:cNvPr id="3" name="Untertitel 2">
-            <a:extLst>
-              <a:ext uri="{FF2B5EF4-FFF2-40B4-BE49-F238E27FC236}">
-                <a16:creationId xmlns:a16="http://schemas.microsoft.com/office/drawing/2014/main" id="{679A12B6-1682-4B48-86BE-365DDCD2A1EC}"/>
-              </a:ext>
-            </a:extLst>
-          </p:cNvPr>
-          <p:cNvSpPr>
-            <a:spLocks noGrp="1"/>
-          </p:cNvSpPr>
-          <p:nvPr>
-            <p:ph type="subTitle" idx="1"/>
           </p:nvPr>
         </p:nvSpPr>
         <p:spPr/>
@@ -3999,26 +3963,27 @@
           <a:lstStyle/>
           <a:p>
             <a:r>
-              <a:rPr lang="de-CH" dirty="0"/>
-              <a:t>Pro2E – Team 5</a:t>
-            </a:r>
-          </a:p>
-        </p:txBody>
-      </p:sp>
-      <p:sp>
-        <p:nvSpPr>
-          <p:cNvPr id="4" name="Datumsplatzhalter 3">
-            <a:extLst>
-              <a:ext uri="{FF2B5EF4-FFF2-40B4-BE49-F238E27FC236}">
-                <a16:creationId xmlns:a16="http://schemas.microsoft.com/office/drawing/2014/main" id="{B703E4BE-D009-4A64-9EAF-7510EC8E92DF}"/>
-              </a:ext>
-            </a:extLst>
-          </p:cNvPr>
-          <p:cNvSpPr>
-            <a:spLocks noGrp="1"/>
-          </p:cNvSpPr>
-          <p:nvPr>
-            <p:ph type="dt" sz="half" idx="10"/>
+              <a:rPr lang="de-CH" b="1" dirty="0"/>
+              <a:t>«DJ» EMI Filter für Netzteil</a:t>
+            </a:r>
+            <a:endParaRPr lang="de-CH" dirty="0"/>
+          </a:p>
+        </p:txBody>
+      </p:sp>
+      <p:sp>
+        <p:nvSpPr>
+          <p:cNvPr id="3" name="Untertitel 2">
+            <a:extLst>
+              <a:ext uri="{FF2B5EF4-FFF2-40B4-BE49-F238E27FC236}">
+                <a16:creationId xmlns:a16="http://schemas.microsoft.com/office/drawing/2014/main" id="{C8C3DE7B-2211-4F15-B0A3-E57FEB0490E9}"/>
+              </a:ext>
+            </a:extLst>
+          </p:cNvPr>
+          <p:cNvSpPr>
+            <a:spLocks noGrp="1"/>
+          </p:cNvSpPr>
+          <p:nvPr>
+            <p:ph type="subTitle" idx="1"/>
           </p:nvPr>
         </p:nvSpPr>
         <p:spPr/>
@@ -4027,8 +3992,36 @@
           <a:lstStyle/>
           <a:p>
             <a:r>
+              <a:rPr lang="de-CH" dirty="0"/>
+              <a:t>pro2E – Team 5</a:t>
+            </a:r>
+          </a:p>
+        </p:txBody>
+      </p:sp>
+      <p:sp>
+        <p:nvSpPr>
+          <p:cNvPr id="4" name="Datumsplatzhalter 3">
+            <a:extLst>
+              <a:ext uri="{FF2B5EF4-FFF2-40B4-BE49-F238E27FC236}">
+                <a16:creationId xmlns:a16="http://schemas.microsoft.com/office/drawing/2014/main" id="{9DEF9A7D-440B-49B2-85B3-2A37EB30FE52}"/>
+              </a:ext>
+            </a:extLst>
+          </p:cNvPr>
+          <p:cNvSpPr>
+            <a:spLocks noGrp="1"/>
+          </p:cNvSpPr>
+          <p:nvPr>
+            <p:ph type="dt" sz="half" idx="10"/>
+          </p:nvPr>
+        </p:nvSpPr>
+        <p:spPr/>
+        <p:txBody>
+          <a:bodyPr/>
+          <a:lstStyle/>
+          <a:p>
+            <a:r>
               <a:rPr lang="de-CH"/>
-              <a:t>07.05.2019</a:t>
+              <a:t>06.06.2019</a:t>
             </a:r>
             <a:endParaRPr lang="de-CH" dirty="0"/>
           </a:p>
@@ -4037,7 +4030,7 @@
     </p:spTree>
     <p:extLst>
       <p:ext uri="{BB962C8B-B14F-4D97-AF65-F5344CB8AC3E}">
-        <p14:creationId xmlns:p14="http://schemas.microsoft.com/office/powerpoint/2010/main" val="3776473635"/>
+        <p14:creationId xmlns:p14="http://schemas.microsoft.com/office/powerpoint/2010/main" val="978845617"/>
       </p:ext>
     </p:extLst>
   </p:cSld>
@@ -4137,7 +4130,7 @@
           <a:p>
             <a:fld id="{AF838628-66DA-44EB-A311-46337B2453F2}" type="datetime1">
               <a:rPr lang="de-CH" smtClean="0"/>
-              <a:t>07.05.2019</a:t>
+              <a:t>06.06.2019</a:t>
             </a:fld>
             <a:endParaRPr lang="de-CH" dirty="0"/>
           </a:p>

--- a/Präsentationen/Schlusspräsentation.pptx
+++ b/Präsentationen/Schlusspräsentation.pptx
@@ -5,23 +5,21 @@
     <p:sldMasterId id="2147483648" r:id="rId1"/>
   </p:sldMasterIdLst>
   <p:notesMasterIdLst>
-    <p:notesMasterId r:id="rId16"/>
+    <p:notesMasterId r:id="rId14"/>
   </p:notesMasterIdLst>
   <p:sldIdLst>
     <p:sldId id="260" r:id="rId2"/>
     <p:sldId id="265" r:id="rId3"/>
     <p:sldId id="258" r:id="rId4"/>
     <p:sldId id="273" r:id="rId5"/>
-    <p:sldId id="282" r:id="rId6"/>
-    <p:sldId id="283" r:id="rId7"/>
+    <p:sldId id="283" r:id="rId6"/>
+    <p:sldId id="282" r:id="rId7"/>
     <p:sldId id="269" r:id="rId8"/>
     <p:sldId id="276" r:id="rId9"/>
     <p:sldId id="277" r:id="rId10"/>
     <p:sldId id="271" r:id="rId11"/>
     <p:sldId id="278" r:id="rId12"/>
-    <p:sldId id="270" r:id="rId13"/>
-    <p:sldId id="279" r:id="rId14"/>
-    <p:sldId id="264" r:id="rId15"/>
+    <p:sldId id="264" r:id="rId13"/>
   </p:sldIdLst>
   <p:sldSz cx="12192000" cy="6858000"/>
   <p:notesSz cx="6858000" cy="9144000"/>
@@ -213,7 +211,7 @@
           <a:p>
             <a:fld id="{AAE4C77D-C166-4002-9DC0-8C50E2C130FF}" type="datetimeFigureOut">
               <a:rPr lang="de-CH" smtClean="0"/>
-              <a:t>13.06.2019</a:t>
+              <a:t>13.06.19</a:t>
             </a:fld>
             <a:endParaRPr lang="de-CH"/>
           </a:p>
@@ -836,7 +834,7 @@
           <a:p>
             <a:fld id="{547B0551-6463-43B7-8636-F202F1CB745A}" type="datetime1">
               <a:rPr lang="de-CH" smtClean="0"/>
-              <a:t>13.06.2019</a:t>
+              <a:t>13.06.19</a:t>
             </a:fld>
             <a:endParaRPr lang="de-CH"/>
           </a:p>
@@ -1128,7 +1126,7 @@
           <a:p>
             <a:fld id="{22DDC5EF-5AAD-4EFA-89F6-E50B3C07121C}" type="datetime1">
               <a:rPr lang="de-CH" smtClean="0"/>
-              <a:t>13.06.2019</a:t>
+              <a:t>13.06.19</a:t>
             </a:fld>
             <a:endParaRPr lang="de-CH"/>
           </a:p>
@@ -1331,7 +1329,7 @@
           <a:p>
             <a:fld id="{3329D597-7FA0-4F53-B4EE-0E9908B8F5DE}" type="datetime1">
               <a:rPr lang="de-CH" smtClean="0"/>
-              <a:t>13.06.2019</a:t>
+              <a:t>13.06.19</a:t>
             </a:fld>
             <a:endParaRPr lang="de-CH"/>
           </a:p>
@@ -1544,7 +1542,7 @@
           <a:p>
             <a:fld id="{0F0AEEB1-600E-4028-8136-3C0937EF342C}" type="datetime1">
               <a:rPr lang="de-CH" smtClean="0"/>
-              <a:t>13.06.2019</a:t>
+              <a:t>13.06.19</a:t>
             </a:fld>
             <a:endParaRPr lang="de-CH"/>
           </a:p>
@@ -1791,7 +1789,7 @@
           <a:p>
             <a:fld id="{24E48E0A-D9A6-4418-8D28-F2F057276236}" type="datetime1">
               <a:rPr lang="de-CH" smtClean="0"/>
-              <a:t>13.06.2019</a:t>
+              <a:t>13.06.19</a:t>
             </a:fld>
             <a:endParaRPr lang="de-CH" dirty="0"/>
           </a:p>
@@ -2324,7 +2322,7 @@
           <a:p>
             <a:fld id="{2AFB5DC4-9093-4E1D-A585-DE7AC149502C}" type="datetime1">
               <a:rPr lang="de-CH" smtClean="0"/>
-              <a:t>13.06.2019</a:t>
+              <a:t>13.06.19</a:t>
             </a:fld>
             <a:endParaRPr lang="de-CH" dirty="0"/>
           </a:p>
@@ -2601,7 +2599,7 @@
           <a:p>
             <a:fld id="{157B7292-ABE9-4EB7-B47D-AFEEB171EB2C}" type="datetime1">
               <a:rPr lang="de-CH" smtClean="0"/>
-              <a:t>13.06.2019</a:t>
+              <a:t>13.06.19</a:t>
             </a:fld>
             <a:endParaRPr lang="de-CH"/>
           </a:p>
@@ -3019,7 +3017,7 @@
           <a:p>
             <a:fld id="{71E98D30-43CA-4141-8BCA-98A3062CE765}" type="datetime1">
               <a:rPr lang="de-CH" smtClean="0"/>
-              <a:t>13.06.2019</a:t>
+              <a:t>13.06.19</a:t>
             </a:fld>
             <a:endParaRPr lang="de-CH"/>
           </a:p>
@@ -3164,7 +3162,7 @@
           <a:p>
             <a:fld id="{1AC9F7F5-EC62-4D78-BE17-18FF6528F416}" type="datetime1">
               <a:rPr lang="de-CH" smtClean="0"/>
-              <a:t>13.06.2019</a:t>
+              <a:t>13.06.19</a:t>
             </a:fld>
             <a:endParaRPr lang="de-CH"/>
           </a:p>
@@ -3280,7 +3278,7 @@
           <a:p>
             <a:fld id="{5929ECED-0BE1-4FD8-B9C2-D5DF80EFD6AF}" type="datetime1">
               <a:rPr lang="de-CH" smtClean="0"/>
-              <a:t>13.06.2019</a:t>
+              <a:t>13.06.19</a:t>
             </a:fld>
             <a:endParaRPr lang="de-CH"/>
           </a:p>
@@ -3596,7 +3594,7 @@
           <a:p>
             <a:fld id="{86E175DD-3AEF-49D3-ACCF-CDE04665B732}" type="datetime1">
               <a:rPr lang="de-CH" smtClean="0"/>
-              <a:t>13.06.2019</a:t>
+              <a:t>13.06.19</a:t>
             </a:fld>
             <a:endParaRPr lang="de-CH"/>
           </a:p>
@@ -3842,7 +3840,7 @@
           <a:p>
             <a:fld id="{C6752BA8-F75D-4CCD-BF24-9222D221A989}" type="datetime1">
               <a:rPr lang="de-CH" smtClean="0"/>
-              <a:t>13.06.2019</a:t>
+              <a:t>13.06.19</a:t>
             </a:fld>
             <a:endParaRPr lang="de-CH"/>
           </a:p>
@@ -4542,7 +4540,7 @@
           <a:p>
             <a:fld id="{DF0C0659-AD22-42C8-A7CE-591E21CDFA57}" type="datetime1">
               <a:rPr lang="de-CH" smtClean="0"/>
-              <a:t>13.06.2019</a:t>
+              <a:t>13.06.19</a:t>
             </a:fld>
             <a:endParaRPr lang="de-CH" dirty="0"/>
           </a:p>
@@ -4728,7 +4726,7 @@
             </a:pPr>
             <a:fld id="{57216883-F015-4F6B-85C8-DF2985E65E3D}" type="datetime1">
               <a:rPr lang="de-CH" smtClean="0"/>
-              <a:t>13.06.2019</a:t>
+              <a:t>13.06.19</a:t>
             </a:fld>
             <a:endParaRPr lang="en-US"/>
           </a:p>
@@ -4805,394 +4803,6 @@
 </file>
 
 <file path=ppt/slides/slide12.xml><?xml version="1.0" encoding="utf-8"?>
-<p:sld xmlns:a="http://schemas.openxmlformats.org/drawingml/2006/main" xmlns:r="http://schemas.openxmlformats.org/officeDocument/2006/relationships" xmlns:p="http://schemas.openxmlformats.org/presentationml/2006/main">
-  <p:cSld>
-    <p:spTree>
-      <p:nvGrpSpPr>
-        <p:cNvPr id="1" name=""/>
-        <p:cNvGrpSpPr/>
-        <p:nvPr/>
-      </p:nvGrpSpPr>
-      <p:grpSpPr>
-        <a:xfrm>
-          <a:off x="0" y="0"/>
-          <a:ext cx="0" cy="0"/>
-          <a:chOff x="0" y="0"/>
-          <a:chExt cx="0" cy="0"/>
-        </a:xfrm>
-      </p:grpSpPr>
-      <p:sp>
-        <p:nvSpPr>
-          <p:cNvPr id="2" name="Titel 1">
-            <a:extLst>
-              <a:ext uri="{FF2B5EF4-FFF2-40B4-BE49-F238E27FC236}">
-                <a16:creationId xmlns:a16="http://schemas.microsoft.com/office/drawing/2014/main" id="{11F0AE94-EBF3-5D49-9AB2-E1ABD36545BB}"/>
-              </a:ext>
-            </a:extLst>
-          </p:cNvPr>
-          <p:cNvSpPr>
-            <a:spLocks noGrp="1"/>
-          </p:cNvSpPr>
-          <p:nvPr>
-            <p:ph type="ctrTitle"/>
-          </p:nvPr>
-        </p:nvSpPr>
-        <p:spPr/>
-        <p:txBody>
-          <a:bodyPr/>
-          <a:lstStyle/>
-          <a:p>
-            <a:r>
-              <a:rPr lang="de-CH" dirty="0"/>
-              <a:t>Wunschziele</a:t>
-            </a:r>
-          </a:p>
-        </p:txBody>
-      </p:sp>
-      <p:sp>
-        <p:nvSpPr>
-          <p:cNvPr id="3" name="Untertitel 2">
-            <a:extLst>
-              <a:ext uri="{FF2B5EF4-FFF2-40B4-BE49-F238E27FC236}">
-                <a16:creationId xmlns:a16="http://schemas.microsoft.com/office/drawing/2014/main" id="{E2835607-AA1D-F14D-A05B-67FAC01CEF3A}"/>
-              </a:ext>
-            </a:extLst>
-          </p:cNvPr>
-          <p:cNvSpPr>
-            <a:spLocks noGrp="1"/>
-          </p:cNvSpPr>
-          <p:nvPr>
-            <p:ph type="subTitle" idx="1"/>
-          </p:nvPr>
-        </p:nvSpPr>
-        <p:spPr/>
-        <p:txBody>
-          <a:bodyPr/>
-          <a:lstStyle/>
-          <a:p>
-            <a:endParaRPr lang="de-CH"/>
-          </a:p>
-        </p:txBody>
-      </p:sp>
-      <p:sp>
-        <p:nvSpPr>
-          <p:cNvPr id="4" name="Datumsplatzhalter 3">
-            <a:extLst>
-              <a:ext uri="{FF2B5EF4-FFF2-40B4-BE49-F238E27FC236}">
-                <a16:creationId xmlns:a16="http://schemas.microsoft.com/office/drawing/2014/main" id="{E38A89AA-A10F-6B42-B102-F747BC7DEF24}"/>
-              </a:ext>
-            </a:extLst>
-          </p:cNvPr>
-          <p:cNvSpPr>
-            <a:spLocks noGrp="1"/>
-          </p:cNvSpPr>
-          <p:nvPr>
-            <p:ph type="dt" sz="half" idx="10"/>
-          </p:nvPr>
-        </p:nvSpPr>
-        <p:spPr>
-          <a:xfrm>
-            <a:off x="838200" y="6356350"/>
-            <a:ext cx="2743200" cy="365125"/>
-          </a:xfrm>
-        </p:spPr>
-        <p:txBody>
-          <a:bodyPr/>
-          <a:lstStyle/>
-          <a:p>
-            <a:fld id="{D7E906EE-3095-40C4-9589-29BC02766DC8}" type="datetime1">
-              <a:rPr lang="de-CH" smtClean="0"/>
-              <a:t>13.06.2019</a:t>
-            </a:fld>
-            <a:endParaRPr lang="de-CH" dirty="0"/>
-          </a:p>
-        </p:txBody>
-      </p:sp>
-      <p:sp>
-        <p:nvSpPr>
-          <p:cNvPr id="5" name="Fußzeilenplatzhalter 4">
-            <a:extLst>
-              <a:ext uri="{FF2B5EF4-FFF2-40B4-BE49-F238E27FC236}">
-                <a16:creationId xmlns:a16="http://schemas.microsoft.com/office/drawing/2014/main" id="{4F1E0D02-4691-479B-A0A8-61131FD2B5D2}"/>
-              </a:ext>
-            </a:extLst>
-          </p:cNvPr>
-          <p:cNvSpPr>
-            <a:spLocks noGrp="1"/>
-          </p:cNvSpPr>
-          <p:nvPr>
-            <p:ph type="ftr" sz="quarter" idx="11"/>
-          </p:nvPr>
-        </p:nvSpPr>
-        <p:spPr/>
-        <p:txBody>
-          <a:bodyPr/>
-          <a:lstStyle/>
-          <a:p>
-            <a:r>
-              <a:rPr lang="de-CH"/>
-              <a:t>pro2E -Team 5</a:t>
-            </a:r>
-          </a:p>
-        </p:txBody>
-      </p:sp>
-      <p:sp>
-        <p:nvSpPr>
-          <p:cNvPr id="6" name="Foliennummernplatzhalter 5">
-            <a:extLst>
-              <a:ext uri="{FF2B5EF4-FFF2-40B4-BE49-F238E27FC236}">
-                <a16:creationId xmlns:a16="http://schemas.microsoft.com/office/drawing/2014/main" id="{CD5492CA-B07F-46A5-A1C2-6792D39D5926}"/>
-              </a:ext>
-            </a:extLst>
-          </p:cNvPr>
-          <p:cNvSpPr>
-            <a:spLocks noGrp="1"/>
-          </p:cNvSpPr>
-          <p:nvPr>
-            <p:ph type="sldNum" sz="quarter" idx="12"/>
-          </p:nvPr>
-        </p:nvSpPr>
-        <p:spPr/>
-        <p:txBody>
-          <a:bodyPr/>
-          <a:lstStyle/>
-          <a:p>
-            <a:fld id="{B038332A-3F1F-41FE-9C06-1F25A7322B9B}" type="slidenum">
-              <a:rPr lang="de-CH" smtClean="0"/>
-              <a:t>12</a:t>
-            </a:fld>
-            <a:endParaRPr lang="de-CH"/>
-          </a:p>
-        </p:txBody>
-      </p:sp>
-    </p:spTree>
-    <p:extLst>
-      <p:ext uri="{BB962C8B-B14F-4D97-AF65-F5344CB8AC3E}">
-        <p14:creationId xmlns:p14="http://schemas.microsoft.com/office/powerpoint/2010/main" val="2951483066"/>
-      </p:ext>
-    </p:extLst>
-  </p:cSld>
-  <p:clrMapOvr>
-    <a:masterClrMapping/>
-  </p:clrMapOvr>
-</p:sld>
-</file>
-
-<file path=ppt/slides/slide13.xml><?xml version="1.0" encoding="utf-8"?>
-<p:sld xmlns:a="http://schemas.openxmlformats.org/drawingml/2006/main" xmlns:r="http://schemas.openxmlformats.org/officeDocument/2006/relationships" xmlns:p="http://schemas.openxmlformats.org/presentationml/2006/main">
-  <p:cSld>
-    <p:spTree>
-      <p:nvGrpSpPr>
-        <p:cNvPr id="1" name=""/>
-        <p:cNvGrpSpPr/>
-        <p:nvPr/>
-      </p:nvGrpSpPr>
-      <p:grpSpPr>
-        <a:xfrm>
-          <a:off x="0" y="0"/>
-          <a:ext cx="0" cy="0"/>
-          <a:chOff x="0" y="0"/>
-          <a:chExt cx="0" cy="0"/>
-        </a:xfrm>
-      </p:grpSpPr>
-      <p:sp>
-        <p:nvSpPr>
-          <p:cNvPr id="2" name="Titel 1">
-            <a:extLst>
-              <a:ext uri="{FF2B5EF4-FFF2-40B4-BE49-F238E27FC236}">
-                <a16:creationId xmlns:a16="http://schemas.microsoft.com/office/drawing/2014/main" id="{EC46E619-720C-DF4A-ADC1-089A3C9B2B44}"/>
-              </a:ext>
-            </a:extLst>
-          </p:cNvPr>
-          <p:cNvSpPr>
-            <a:spLocks noGrp="1"/>
-          </p:cNvSpPr>
-          <p:nvPr>
-            <p:ph type="title"/>
-          </p:nvPr>
-        </p:nvSpPr>
-        <p:spPr/>
-        <p:txBody>
-          <a:bodyPr/>
-          <a:lstStyle/>
-          <a:p>
-            <a:r>
-              <a:rPr lang="de-CH" dirty="0"/>
-              <a:t>Wunschziele</a:t>
-            </a:r>
-          </a:p>
-        </p:txBody>
-      </p:sp>
-      <p:sp>
-        <p:nvSpPr>
-          <p:cNvPr id="3" name="Inhaltsplatzhalter 2">
-            <a:extLst>
-              <a:ext uri="{FF2B5EF4-FFF2-40B4-BE49-F238E27FC236}">
-                <a16:creationId xmlns:a16="http://schemas.microsoft.com/office/drawing/2014/main" id="{009B7077-65CE-014D-975F-825E06D82DAD}"/>
-              </a:ext>
-            </a:extLst>
-          </p:cNvPr>
-          <p:cNvSpPr>
-            <a:spLocks noGrp="1"/>
-          </p:cNvSpPr>
-          <p:nvPr>
-            <p:ph idx="1"/>
-          </p:nvPr>
-        </p:nvSpPr>
-        <p:spPr/>
-        <p:txBody>
-          <a:bodyPr/>
-          <a:lstStyle/>
-          <a:p>
-            <a:r>
-              <a:rPr lang="de-CH" dirty="0"/>
-              <a:t>Safe / Load</a:t>
-            </a:r>
-          </a:p>
-          <a:p>
-            <a:r>
-              <a:rPr lang="de-CH" dirty="0"/>
-              <a:t>CISPR</a:t>
-            </a:r>
-          </a:p>
-          <a:p>
-            <a:r>
-              <a:rPr lang="de-CH" dirty="0" err="1"/>
-              <a:t>Sweep</a:t>
-            </a:r>
-            <a:r>
-              <a:rPr lang="de-CH" dirty="0"/>
-              <a:t> Mode</a:t>
-            </a:r>
-          </a:p>
-          <a:p>
-            <a:r>
-              <a:rPr lang="de-CH" dirty="0"/>
-              <a:t>Linear / </a:t>
-            </a:r>
-            <a:r>
-              <a:rPr lang="de-CH" dirty="0" err="1"/>
-              <a:t>Logartihmic</a:t>
-            </a:r>
-            <a:r>
-              <a:rPr lang="de-CH" dirty="0"/>
-              <a:t> Mode</a:t>
-            </a:r>
-          </a:p>
-          <a:p>
-            <a:r>
-              <a:rPr lang="de-CH" dirty="0" err="1"/>
-              <a:t>About</a:t>
-            </a:r>
-            <a:endParaRPr lang="de-CH" dirty="0"/>
-          </a:p>
-          <a:p>
-            <a:endParaRPr lang="de-CH" dirty="0"/>
-          </a:p>
-        </p:txBody>
-      </p:sp>
-      <p:sp>
-        <p:nvSpPr>
-          <p:cNvPr id="4" name="Datumsplatzhalter 3">
-            <a:extLst>
-              <a:ext uri="{FF2B5EF4-FFF2-40B4-BE49-F238E27FC236}">
-                <a16:creationId xmlns:a16="http://schemas.microsoft.com/office/drawing/2014/main" id="{276371E2-0AFF-304C-99A6-3CE7E969D7D7}"/>
-              </a:ext>
-            </a:extLst>
-          </p:cNvPr>
-          <p:cNvSpPr>
-            <a:spLocks noGrp="1"/>
-          </p:cNvSpPr>
-          <p:nvPr>
-            <p:ph type="dt" sz="half" idx="10"/>
-          </p:nvPr>
-        </p:nvSpPr>
-        <p:spPr/>
-        <p:txBody>
-          <a:bodyPr/>
-          <a:lstStyle/>
-          <a:p>
-            <a:fld id="{0082530E-C822-4E92-9A62-C0243076ADE8}" type="datetime1">
-              <a:rPr lang="de-CH" smtClean="0"/>
-              <a:t>13.06.2019</a:t>
-            </a:fld>
-            <a:endParaRPr lang="de-CH" dirty="0"/>
-          </a:p>
-        </p:txBody>
-      </p:sp>
-      <p:sp>
-        <p:nvSpPr>
-          <p:cNvPr id="5" name="Fußzeilenplatzhalter 4">
-            <a:extLst>
-              <a:ext uri="{FF2B5EF4-FFF2-40B4-BE49-F238E27FC236}">
-                <a16:creationId xmlns:a16="http://schemas.microsoft.com/office/drawing/2014/main" id="{8FA85CC8-4CB5-9942-B64E-5DA83CE4BABF}"/>
-              </a:ext>
-            </a:extLst>
-          </p:cNvPr>
-          <p:cNvSpPr>
-            <a:spLocks noGrp="1"/>
-          </p:cNvSpPr>
-          <p:nvPr>
-            <p:ph type="ftr" sz="quarter" idx="11"/>
-          </p:nvPr>
-        </p:nvSpPr>
-        <p:spPr/>
-        <p:txBody>
-          <a:bodyPr/>
-          <a:lstStyle/>
-          <a:p>
-            <a:r>
-              <a:rPr lang="de-CH"/>
-              <a:t>pro2E -Team 5</a:t>
-            </a:r>
-            <a:endParaRPr lang="de-CH" dirty="0"/>
-          </a:p>
-        </p:txBody>
-      </p:sp>
-      <p:sp>
-        <p:nvSpPr>
-          <p:cNvPr id="6" name="Foliennummernplatzhalter 5">
-            <a:extLst>
-              <a:ext uri="{FF2B5EF4-FFF2-40B4-BE49-F238E27FC236}">
-                <a16:creationId xmlns:a16="http://schemas.microsoft.com/office/drawing/2014/main" id="{096DD810-4FCA-F542-985D-8FB8F7092761}"/>
-              </a:ext>
-            </a:extLst>
-          </p:cNvPr>
-          <p:cNvSpPr>
-            <a:spLocks noGrp="1"/>
-          </p:cNvSpPr>
-          <p:nvPr>
-            <p:ph type="sldNum" sz="quarter" idx="12"/>
-          </p:nvPr>
-        </p:nvSpPr>
-        <p:spPr/>
-        <p:txBody>
-          <a:bodyPr/>
-          <a:lstStyle/>
-          <a:p>
-            <a:fld id="{B038332A-3F1F-41FE-9C06-1F25A7322B9B}" type="slidenum">
-              <a:rPr lang="de-CH" smtClean="0"/>
-              <a:pPr/>
-              <a:t>13</a:t>
-            </a:fld>
-            <a:endParaRPr lang="de-CH" dirty="0"/>
-          </a:p>
-        </p:txBody>
-      </p:sp>
-    </p:spTree>
-    <p:extLst>
-      <p:ext uri="{BB962C8B-B14F-4D97-AF65-F5344CB8AC3E}">
-        <p14:creationId xmlns:p14="http://schemas.microsoft.com/office/powerpoint/2010/main" val="3882560374"/>
-      </p:ext>
-    </p:extLst>
-  </p:cSld>
-  <p:clrMapOvr>
-    <a:masterClrMapping/>
-  </p:clrMapOvr>
-</p:sld>
-</file>
-
-<file path=ppt/slides/slide14.xml><?xml version="1.0" encoding="utf-8"?>
 <p:sld xmlns:a="http://schemas.openxmlformats.org/drawingml/2006/main" xmlns:r="http://schemas.openxmlformats.org/officeDocument/2006/relationships" xmlns:p="http://schemas.openxmlformats.org/presentationml/2006/main">
   <p:cSld>
     <p:spTree>
@@ -5426,7 +5036,7 @@
           <a:p>
             <a:fld id="{D002505C-9DA9-4FFF-8F93-7454A9BE5A87}" type="datetime1">
               <a:rPr lang="de-CH" smtClean="0"/>
-              <a:t>13.06.2019</a:t>
+              <a:t>13.06.19</a:t>
             </a:fld>
             <a:endParaRPr lang="de-CH" dirty="0"/>
           </a:p>
@@ -5636,7 +5246,7 @@
           <a:p>
             <a:fld id="{C59D2660-1C9D-45C5-95F5-6F211A5E1871}" type="datetime1">
               <a:rPr lang="de-CH" smtClean="0"/>
-              <a:t>13.06.2019</a:t>
+              <a:t>13.06.19</a:t>
             </a:fld>
             <a:endParaRPr lang="de-CH" dirty="0"/>
           </a:p>
@@ -5713,6 +5323,160 @@
 </file>
 
 <file path=ppt/slides/slide5.xml><?xml version="1.0" encoding="utf-8"?>
+<p:sld xmlns:a="http://schemas.openxmlformats.org/drawingml/2006/main" xmlns:r="http://schemas.openxmlformats.org/officeDocument/2006/relationships" xmlns:p="http://schemas.openxmlformats.org/presentationml/2006/main">
+  <p:cSld>
+    <p:spTree>
+      <p:nvGrpSpPr>
+        <p:cNvPr id="1" name=""/>
+        <p:cNvGrpSpPr/>
+        <p:nvPr/>
+      </p:nvGrpSpPr>
+      <p:grpSpPr>
+        <a:xfrm>
+          <a:off x="0" y="0"/>
+          <a:ext cx="0" cy="0"/>
+          <a:chOff x="0" y="0"/>
+          <a:chExt cx="0" cy="0"/>
+        </a:xfrm>
+      </p:grpSpPr>
+      <p:pic>
+        <p:nvPicPr>
+          <p:cNvPr id="7" name="Grafik 6" descr="Ein Bild, das Text enthält.&#10;&#10;Automatisch generierte Beschreibung">
+            <a:extLst>
+              <a:ext uri="{FF2B5EF4-FFF2-40B4-BE49-F238E27FC236}">
+                <a16:creationId xmlns:a16="http://schemas.microsoft.com/office/drawing/2014/main" id="{277C8745-5036-43DE-90F3-B3BFF142D008}"/>
+              </a:ext>
+            </a:extLst>
+          </p:cNvPr>
+          <p:cNvPicPr>
+            <a:picLocks noChangeAspect="1"/>
+          </p:cNvPicPr>
+          <p:nvPr/>
+        </p:nvPicPr>
+        <p:blipFill>
+          <a:blip r:embed="rId2">
+            <a:extLst>
+              <a:ext uri="{28A0092B-C50C-407E-A947-70E740481C1C}">
+                <a14:useLocalDpi xmlns:a14="http://schemas.microsoft.com/office/drawing/2010/main" val="0"/>
+              </a:ext>
+            </a:extLst>
+          </a:blip>
+          <a:stretch>
+            <a:fillRect/>
+          </a:stretch>
+        </p:blipFill>
+        <p:spPr>
+          <a:xfrm>
+            <a:off x="-665464" y="-220098"/>
+            <a:ext cx="14667623" cy="7773838"/>
+          </a:xfrm>
+          <a:prstGeom prst="rect">
+            <a:avLst/>
+          </a:prstGeom>
+        </p:spPr>
+      </p:pic>
+      <p:sp>
+        <p:nvSpPr>
+          <p:cNvPr id="4" name="Datumsplatzhalter 3">
+            <a:extLst>
+              <a:ext uri="{FF2B5EF4-FFF2-40B4-BE49-F238E27FC236}">
+                <a16:creationId xmlns:a16="http://schemas.microsoft.com/office/drawing/2014/main" id="{01BB4927-C10B-4269-A1A4-24E30548B158}"/>
+              </a:ext>
+            </a:extLst>
+          </p:cNvPr>
+          <p:cNvSpPr>
+            <a:spLocks noGrp="1"/>
+          </p:cNvSpPr>
+          <p:nvPr>
+            <p:ph type="dt" sz="half" idx="10"/>
+          </p:nvPr>
+        </p:nvSpPr>
+        <p:spPr/>
+        <p:txBody>
+          <a:bodyPr/>
+          <a:lstStyle/>
+          <a:p>
+            <a:fld id="{24E48E0A-D9A6-4418-8D28-F2F057276236}" type="datetime1">
+              <a:rPr lang="de-CH" smtClean="0"/>
+              <a:t>13.06.19</a:t>
+            </a:fld>
+            <a:endParaRPr lang="de-CH" dirty="0"/>
+          </a:p>
+        </p:txBody>
+      </p:sp>
+      <p:sp>
+        <p:nvSpPr>
+          <p:cNvPr id="5" name="Fußzeilenplatzhalter 4">
+            <a:extLst>
+              <a:ext uri="{FF2B5EF4-FFF2-40B4-BE49-F238E27FC236}">
+                <a16:creationId xmlns:a16="http://schemas.microsoft.com/office/drawing/2014/main" id="{DAA985A3-C402-464F-9899-D5E307A0D1D1}"/>
+              </a:ext>
+            </a:extLst>
+          </p:cNvPr>
+          <p:cNvSpPr>
+            <a:spLocks noGrp="1"/>
+          </p:cNvSpPr>
+          <p:nvPr>
+            <p:ph type="ftr" sz="quarter" idx="11"/>
+          </p:nvPr>
+        </p:nvSpPr>
+        <p:spPr/>
+        <p:txBody>
+          <a:bodyPr/>
+          <a:lstStyle/>
+          <a:p>
+            <a:r>
+              <a:rPr lang="de-CH"/>
+              <a:t>pro2E -Team 5</a:t>
+            </a:r>
+            <a:endParaRPr lang="de-CH" dirty="0"/>
+          </a:p>
+        </p:txBody>
+      </p:sp>
+      <p:sp>
+        <p:nvSpPr>
+          <p:cNvPr id="6" name="Foliennummernplatzhalter 5">
+            <a:extLst>
+              <a:ext uri="{FF2B5EF4-FFF2-40B4-BE49-F238E27FC236}">
+                <a16:creationId xmlns:a16="http://schemas.microsoft.com/office/drawing/2014/main" id="{4A1B2F35-0745-4E25-9CAE-8F588A8ECD8E}"/>
+              </a:ext>
+            </a:extLst>
+          </p:cNvPr>
+          <p:cNvSpPr>
+            <a:spLocks noGrp="1"/>
+          </p:cNvSpPr>
+          <p:nvPr>
+            <p:ph type="sldNum" sz="quarter" idx="12"/>
+          </p:nvPr>
+        </p:nvSpPr>
+        <p:spPr/>
+        <p:txBody>
+          <a:bodyPr/>
+          <a:lstStyle/>
+          <a:p>
+            <a:fld id="{B038332A-3F1F-41FE-9C06-1F25A7322B9B}" type="slidenum">
+              <a:rPr lang="de-CH" smtClean="0"/>
+              <a:pPr/>
+              <a:t>5</a:t>
+            </a:fld>
+            <a:endParaRPr lang="de-CH" dirty="0"/>
+          </a:p>
+        </p:txBody>
+      </p:sp>
+    </p:spTree>
+    <p:extLst>
+      <p:ext uri="{BB962C8B-B14F-4D97-AF65-F5344CB8AC3E}">
+        <p14:creationId xmlns:p14="http://schemas.microsoft.com/office/powerpoint/2010/main" val="2059068627"/>
+      </p:ext>
+    </p:extLst>
+  </p:cSld>
+  <p:clrMapOvr>
+    <a:masterClrMapping/>
+  </p:clrMapOvr>
+</p:sld>
+</file>
+
+<file path=ppt/slides/slide6.xml><?xml version="1.0" encoding="utf-8"?>
 <p:sld xmlns:a="http://schemas.openxmlformats.org/drawingml/2006/main" xmlns:r="http://schemas.openxmlformats.org/officeDocument/2006/relationships" xmlns:p="http://schemas.openxmlformats.org/presentationml/2006/main">
   <p:cSld>
     <p:bg>
@@ -5911,7 +5675,7 @@
                   <a:spcPts val="600"/>
                 </a:spcAft>
               </a:pPr>
-              <a:t>5</a:t>
+              <a:t>6</a:t>
             </a:fld>
             <a:endParaRPr lang="en-US">
               <a:solidFill>
@@ -5926,160 +5690,6 @@
     <p:extLst>
       <p:ext uri="{BB962C8B-B14F-4D97-AF65-F5344CB8AC3E}">
         <p14:creationId xmlns:p14="http://schemas.microsoft.com/office/powerpoint/2010/main" val="4285899078"/>
-      </p:ext>
-    </p:extLst>
-  </p:cSld>
-  <p:clrMapOvr>
-    <a:masterClrMapping/>
-  </p:clrMapOvr>
-</p:sld>
-</file>
-
-<file path=ppt/slides/slide6.xml><?xml version="1.0" encoding="utf-8"?>
-<p:sld xmlns:a="http://schemas.openxmlformats.org/drawingml/2006/main" xmlns:r="http://schemas.openxmlformats.org/officeDocument/2006/relationships" xmlns:p="http://schemas.openxmlformats.org/presentationml/2006/main">
-  <p:cSld>
-    <p:spTree>
-      <p:nvGrpSpPr>
-        <p:cNvPr id="1" name=""/>
-        <p:cNvGrpSpPr/>
-        <p:nvPr/>
-      </p:nvGrpSpPr>
-      <p:grpSpPr>
-        <a:xfrm>
-          <a:off x="0" y="0"/>
-          <a:ext cx="0" cy="0"/>
-          <a:chOff x="0" y="0"/>
-          <a:chExt cx="0" cy="0"/>
-        </a:xfrm>
-      </p:grpSpPr>
-      <p:pic>
-        <p:nvPicPr>
-          <p:cNvPr id="7" name="Grafik 6" descr="Ein Bild, das Text enthält.&#10;&#10;Automatisch generierte Beschreibung">
-            <a:extLst>
-              <a:ext uri="{FF2B5EF4-FFF2-40B4-BE49-F238E27FC236}">
-                <a16:creationId xmlns:a16="http://schemas.microsoft.com/office/drawing/2014/main" id="{277C8745-5036-43DE-90F3-B3BFF142D008}"/>
-              </a:ext>
-            </a:extLst>
-          </p:cNvPr>
-          <p:cNvPicPr>
-            <a:picLocks noChangeAspect="1"/>
-          </p:cNvPicPr>
-          <p:nvPr/>
-        </p:nvPicPr>
-        <p:blipFill>
-          <a:blip r:embed="rId2">
-            <a:extLst>
-              <a:ext uri="{28A0092B-C50C-407E-A947-70E740481C1C}">
-                <a14:useLocalDpi xmlns:a14="http://schemas.microsoft.com/office/drawing/2010/main" val="0"/>
-              </a:ext>
-            </a:extLst>
-          </a:blip>
-          <a:stretch>
-            <a:fillRect/>
-          </a:stretch>
-        </p:blipFill>
-        <p:spPr>
-          <a:xfrm>
-            <a:off x="-665464" y="-220098"/>
-            <a:ext cx="14667623" cy="7773838"/>
-          </a:xfrm>
-          <a:prstGeom prst="rect">
-            <a:avLst/>
-          </a:prstGeom>
-        </p:spPr>
-      </p:pic>
-      <p:sp>
-        <p:nvSpPr>
-          <p:cNvPr id="4" name="Datumsplatzhalter 3">
-            <a:extLst>
-              <a:ext uri="{FF2B5EF4-FFF2-40B4-BE49-F238E27FC236}">
-                <a16:creationId xmlns:a16="http://schemas.microsoft.com/office/drawing/2014/main" id="{01BB4927-C10B-4269-A1A4-24E30548B158}"/>
-              </a:ext>
-            </a:extLst>
-          </p:cNvPr>
-          <p:cNvSpPr>
-            <a:spLocks noGrp="1"/>
-          </p:cNvSpPr>
-          <p:nvPr>
-            <p:ph type="dt" sz="half" idx="10"/>
-          </p:nvPr>
-        </p:nvSpPr>
-        <p:spPr/>
-        <p:txBody>
-          <a:bodyPr/>
-          <a:lstStyle/>
-          <a:p>
-            <a:fld id="{24E48E0A-D9A6-4418-8D28-F2F057276236}" type="datetime1">
-              <a:rPr lang="de-CH" smtClean="0"/>
-              <a:t>13.06.2019</a:t>
-            </a:fld>
-            <a:endParaRPr lang="de-CH" dirty="0"/>
-          </a:p>
-        </p:txBody>
-      </p:sp>
-      <p:sp>
-        <p:nvSpPr>
-          <p:cNvPr id="5" name="Fußzeilenplatzhalter 4">
-            <a:extLst>
-              <a:ext uri="{FF2B5EF4-FFF2-40B4-BE49-F238E27FC236}">
-                <a16:creationId xmlns:a16="http://schemas.microsoft.com/office/drawing/2014/main" id="{DAA985A3-C402-464F-9899-D5E307A0D1D1}"/>
-              </a:ext>
-            </a:extLst>
-          </p:cNvPr>
-          <p:cNvSpPr>
-            <a:spLocks noGrp="1"/>
-          </p:cNvSpPr>
-          <p:nvPr>
-            <p:ph type="ftr" sz="quarter" idx="11"/>
-          </p:nvPr>
-        </p:nvSpPr>
-        <p:spPr/>
-        <p:txBody>
-          <a:bodyPr/>
-          <a:lstStyle/>
-          <a:p>
-            <a:r>
-              <a:rPr lang="de-CH"/>
-              <a:t>pro2E -Team 5</a:t>
-            </a:r>
-            <a:endParaRPr lang="de-CH" dirty="0"/>
-          </a:p>
-        </p:txBody>
-      </p:sp>
-      <p:sp>
-        <p:nvSpPr>
-          <p:cNvPr id="6" name="Foliennummernplatzhalter 5">
-            <a:extLst>
-              <a:ext uri="{FF2B5EF4-FFF2-40B4-BE49-F238E27FC236}">
-                <a16:creationId xmlns:a16="http://schemas.microsoft.com/office/drawing/2014/main" id="{4A1B2F35-0745-4E25-9CAE-8F588A8ECD8E}"/>
-              </a:ext>
-            </a:extLst>
-          </p:cNvPr>
-          <p:cNvSpPr>
-            <a:spLocks noGrp="1"/>
-          </p:cNvSpPr>
-          <p:nvPr>
-            <p:ph type="sldNum" sz="quarter" idx="12"/>
-          </p:nvPr>
-        </p:nvSpPr>
-        <p:spPr/>
-        <p:txBody>
-          <a:bodyPr/>
-          <a:lstStyle/>
-          <a:p>
-            <a:fld id="{B038332A-3F1F-41FE-9C06-1F25A7322B9B}" type="slidenum">
-              <a:rPr lang="de-CH" smtClean="0"/>
-              <a:pPr/>
-              <a:t>6</a:t>
-            </a:fld>
-            <a:endParaRPr lang="de-CH" dirty="0"/>
-          </a:p>
-        </p:txBody>
-      </p:sp>
-    </p:spTree>
-    <p:extLst>
-      <p:ext uri="{BB962C8B-B14F-4D97-AF65-F5344CB8AC3E}">
-        <p14:creationId xmlns:p14="http://schemas.microsoft.com/office/powerpoint/2010/main" val="2059068627"/>
       </p:ext>
     </p:extLst>
   </p:cSld>
@@ -6187,7 +5797,7 @@
           <a:p>
             <a:fld id="{F22303A7-07ED-4267-8891-B3C145D4903E}" type="datetime1">
               <a:rPr lang="de-CH" smtClean="0"/>
-              <a:t>13.06.2019</a:t>
+              <a:t>13.06.19</a:t>
             </a:fld>
             <a:endParaRPr lang="de-CH" dirty="0"/>
           </a:p>
@@ -6328,7 +5938,7 @@
           <a:p>
             <a:fld id="{C2890626-6562-4623-B2A0-2DCBD0C14E0F}" type="datetime1">
               <a:rPr lang="de-CH" smtClean="0"/>
-              <a:t>13.06.2019</a:t>
+              <a:t>13.06.19</a:t>
             </a:fld>
             <a:endParaRPr lang="de-CH" dirty="0"/>
           </a:p>
@@ -6513,7 +6123,7 @@
           <a:p>
             <a:fld id="{EF0F52A4-4716-4F8B-837F-31CA952E2228}" type="datetime1">
               <a:rPr lang="de-CH" smtClean="0"/>
-              <a:t>13.06.2019</a:t>
+              <a:t>13.06.19</a:t>
             </a:fld>
             <a:endParaRPr lang="de-CH" dirty="0"/>
           </a:p>
